--- a/draft-gandhi-spring-rfc6374-srpm-mpls-02.pptx
+++ b/draft-gandhi-spring-rfc6374-srpm-mpls-02.pptx
@@ -5949,7 +5949,7 @@
             <a:pPr lvl="1"/>
             <a:r>
               <a:rPr lang="en-US" sz="1800" dirty="0"/>
-              <a:t>Presented at IETF 103 Bangkok</a:t>
+              <a:t>Presented at IETF 103 Bangkok in SPRING and IPPM WGs</a:t>
             </a:r>
           </a:p>
           <a:p>
@@ -5980,7 +5980,7 @@
             <a:pPr lvl="1"/>
             <a:r>
               <a:rPr lang="en-US" sz="1800" dirty="0"/>
-              <a:t>Presented at IETF 104 Prague</a:t>
+              <a:t>Presented at IETF 104 Prague in SPRING WG</a:t>
             </a:r>
           </a:p>
           <a:p>

--- a/draft-gandhi-spring-rfc6374-srpm-mpls-02.pptx
+++ b/draft-gandhi-spring-rfc6374-srpm-mpls-02.pptx
@@ -5660,7 +5660,7 @@
             </a:pPr>
             <a:r>
               <a:rPr lang="en-CA" sz="1600" dirty="0"/>
-              <a:t>Added loopback measurement mode</a:t>
+              <a:t>Added block number TLV</a:t>
             </a:r>
           </a:p>
           <a:p>
@@ -5670,7 +5670,7 @@
             </a:pPr>
             <a:r>
               <a:rPr lang="en-CA" sz="1600" dirty="0"/>
-              <a:t>Added Path Segment ID in Figure 4</a:t>
+              <a:t>Added loopback measurement mode</a:t>
             </a:r>
           </a:p>
           <a:p>
@@ -5680,7 +5680,7 @@
             </a:pPr>
             <a:r>
               <a:rPr lang="en-CA" sz="1600" dirty="0"/>
-              <a:t>Added block number TLV</a:t>
+              <a:t>Show Path Segment ID in Figure 4</a:t>
             </a:r>
           </a:p>
           <a:p>
@@ -5699,8 +5699,12 @@
               <a:buChar char="§"/>
             </a:pPr>
             <a:r>
+              <a:rPr lang="en-CA" sz="1600" dirty="0" err="1"/>
+              <a:t>Addtional</a:t>
+            </a:r>
+            <a:r>
               <a:rPr lang="en-CA" sz="1600" dirty="0"/>
-              <a:t>Added details for handling ECMP for SR Policy</a:t>
+              <a:t> details for handling ECMP for SR Policy</a:t>
             </a:r>
           </a:p>
           <a:p>
@@ -5891,7 +5895,7 @@
         <p:spPr>
           <a:xfrm>
             <a:off x="480391" y="959343"/>
-            <a:ext cx="8229600" cy="3619500"/>
+            <a:ext cx="8229600" cy="3288807"/>
           </a:xfrm>
         </p:spPr>
         <p:txBody>
@@ -5899,118 +5903,118 @@
           <a:lstStyle/>
           <a:p>
             <a:r>
-              <a:rPr lang="en-US" sz="1800" dirty="0"/>
+              <a:rPr lang="en-US" sz="1600" dirty="0"/>
               <a:t>Feb 14, 2018</a:t>
             </a:r>
           </a:p>
           <a:p>
             <a:pPr lvl="1"/>
             <a:r>
-              <a:rPr lang="en-US" sz="1800" dirty="0"/>
+              <a:rPr lang="en-US" sz="1600" dirty="0"/>
               <a:t>Draft was published </a:t>
             </a:r>
             <a:r>
-              <a:rPr lang="en-CA" sz="1800" dirty="0"/>
+              <a:rPr lang="en-CA" sz="1600" dirty="0"/>
               <a:t>draft-</a:t>
             </a:r>
             <a:r>
-              <a:rPr lang="en-CA" sz="1800" dirty="0" err="1"/>
+              <a:rPr lang="en-CA" sz="1600" dirty="0" err="1"/>
               <a:t>gandhi</a:t>
             </a:r>
             <a:r>
-              <a:rPr lang="en-CA" sz="1800" dirty="0"/>
+              <a:rPr lang="en-CA" sz="1600" dirty="0"/>
               <a:t>-spring-</a:t>
             </a:r>
             <a:r>
-              <a:rPr lang="en-CA" sz="1800" dirty="0" err="1"/>
+              <a:rPr lang="en-CA" sz="1600" dirty="0" err="1"/>
               <a:t>sr</a:t>
             </a:r>
             <a:r>
-              <a:rPr lang="en-CA" sz="1800" dirty="0"/>
+              <a:rPr lang="en-CA" sz="1600" dirty="0"/>
               <a:t>-</a:t>
             </a:r>
             <a:r>
-              <a:rPr lang="en-CA" sz="1800" dirty="0" err="1"/>
+              <a:rPr lang="en-CA" sz="1600" dirty="0" err="1"/>
               <a:t>mpls</a:t>
             </a:r>
             <a:r>
-              <a:rPr lang="en-CA" sz="1800" dirty="0"/>
+              <a:rPr lang="en-CA" sz="1600" dirty="0"/>
               <a:t>-pm</a:t>
             </a:r>
-            <a:endParaRPr lang="en-US" sz="1800" dirty="0"/>
-          </a:p>
-          <a:p>
-            <a:r>
-              <a:rPr lang="en-US" sz="1800" dirty="0"/>
+            <a:endParaRPr lang="en-US" sz="1600" dirty="0"/>
+          </a:p>
+          <a:p>
+            <a:r>
+              <a:rPr lang="en-US" sz="1600" dirty="0"/>
               <a:t>Nov 2018</a:t>
             </a:r>
           </a:p>
           <a:p>
             <a:pPr lvl="1"/>
             <a:r>
-              <a:rPr lang="en-US" sz="1800" dirty="0"/>
+              <a:rPr lang="en-US" sz="1600" dirty="0"/>
               <a:t>Presented at IETF 103 Bangkok in SPRING and IPPM WGs</a:t>
             </a:r>
           </a:p>
           <a:p>
             <a:r>
-              <a:rPr lang="en-US" sz="1800" dirty="0"/>
+              <a:rPr lang="en-US" sz="1600" dirty="0"/>
               <a:t>Feb 14, 2019</a:t>
             </a:r>
           </a:p>
           <a:p>
             <a:pPr lvl="1"/>
             <a:r>
-              <a:rPr lang="en-US" sz="1800" dirty="0"/>
+              <a:rPr lang="en-US" sz="1600" dirty="0"/>
               <a:t>Draft was renamed to </a:t>
             </a:r>
             <a:r>
-              <a:rPr lang="en-CA" sz="1800" dirty="0"/>
+              <a:rPr lang="en-CA" sz="1600" dirty="0"/>
               <a:t>draft-gandhi-spring-rfc6374-srpm-mpls</a:t>
             </a:r>
-            <a:endParaRPr lang="en-US" sz="1800" dirty="0"/>
-          </a:p>
-          <a:p>
-            <a:r>
-              <a:rPr lang="en-US" sz="1800" dirty="0"/>
+            <a:endParaRPr lang="en-US" sz="1600" dirty="0"/>
+          </a:p>
+          <a:p>
+            <a:r>
+              <a:rPr lang="en-US" sz="1600" dirty="0"/>
               <a:t>Mar 2019</a:t>
             </a:r>
           </a:p>
           <a:p>
             <a:pPr lvl="1"/>
             <a:r>
-              <a:rPr lang="en-US" sz="1800" dirty="0"/>
+              <a:rPr lang="en-US" sz="1600" dirty="0"/>
               <a:t>Presented at IETF 104 Prague in SPRING WG</a:t>
             </a:r>
           </a:p>
           <a:p>
             <a:r>
-              <a:rPr lang="en-US" sz="1800" dirty="0"/>
+              <a:rPr lang="en-US" sz="1600" dirty="0"/>
               <a:t>Feb 14, 2020</a:t>
             </a:r>
           </a:p>
           <a:p>
             <a:pPr lvl="1"/>
             <a:r>
-              <a:rPr lang="en-US" sz="1800" dirty="0"/>
-              <a:t>WG document - </a:t>
-            </a:r>
-            <a:r>
-              <a:rPr lang="en-CA" sz="1800" dirty="0"/>
+              <a:rPr lang="en-US" sz="1600" dirty="0"/>
+              <a:t>WG document, perhaps - </a:t>
+            </a:r>
+            <a:r>
+              <a:rPr lang="en-CA" sz="1600" dirty="0"/>
               <a:t>draft-</a:t>
             </a:r>
             <a:r>
-              <a:rPr lang="en-CA" sz="1800" b="1" dirty="0"/>
+              <a:rPr lang="en-CA" sz="1600" b="1" dirty="0"/>
               <a:t>ietf</a:t>
             </a:r>
             <a:r>
-              <a:rPr lang="en-CA" sz="1800" dirty="0"/>
+              <a:rPr lang="en-CA" sz="1600" dirty="0"/>
               <a:t>-spring-rfc6374-srpm-mpls ?</a:t>
             </a:r>
-            <a:endParaRPr lang="en-US" sz="1800" dirty="0"/>
-          </a:p>
-          <a:p>
-            <a:endParaRPr lang="en-US" sz="1800" dirty="0"/>
+            <a:endParaRPr lang="en-US" sz="1600" dirty="0"/>
+          </a:p>
+          <a:p>
+            <a:endParaRPr lang="en-US" sz="1600" dirty="0"/>
           </a:p>
         </p:txBody>
       </p:sp>
